--- a/materials/ch08/ch08_3-编写小程序后台API.pptx
+++ b/materials/ch08/ch08_3-编写小程序后台API.pptx
@@ -293,7 +293,7 @@
           <a:p>
             <a:fld id="{BBF6169D-416D-4C06-B08B-5CE62A641987}" type="datetimeFigureOut">
               <a:rPr lang="zh-CN" altLang="en-US" smtClean="0"/>
-              <a:t>2019/9/17</a:t>
+              <a:t>2019/9/18</a:t>
             </a:fld>
             <a:endParaRPr lang="zh-CN" altLang="en-US"/>
           </a:p>
@@ -491,7 +491,7 @@
           <a:p>
             <a:fld id="{BBF6169D-416D-4C06-B08B-5CE62A641987}" type="datetimeFigureOut">
               <a:rPr lang="zh-CN" altLang="en-US" smtClean="0"/>
-              <a:t>2019/9/17</a:t>
+              <a:t>2019/9/18</a:t>
             </a:fld>
             <a:endParaRPr lang="zh-CN" altLang="en-US"/>
           </a:p>
@@ -699,7 +699,7 @@
           <a:p>
             <a:fld id="{BBF6169D-416D-4C06-B08B-5CE62A641987}" type="datetimeFigureOut">
               <a:rPr lang="zh-CN" altLang="en-US" smtClean="0"/>
-              <a:t>2019/9/17</a:t>
+              <a:t>2019/9/18</a:t>
             </a:fld>
             <a:endParaRPr lang="zh-CN" altLang="en-US"/>
           </a:p>
@@ -897,7 +897,7 @@
           <a:p>
             <a:fld id="{BBF6169D-416D-4C06-B08B-5CE62A641987}" type="datetimeFigureOut">
               <a:rPr lang="zh-CN" altLang="en-US" smtClean="0"/>
-              <a:t>2019/9/17</a:t>
+              <a:t>2019/9/18</a:t>
             </a:fld>
             <a:endParaRPr lang="zh-CN" altLang="en-US"/>
           </a:p>
@@ -1172,7 +1172,7 @@
           <a:p>
             <a:fld id="{BBF6169D-416D-4C06-B08B-5CE62A641987}" type="datetimeFigureOut">
               <a:rPr lang="zh-CN" altLang="en-US" smtClean="0"/>
-              <a:t>2019/9/17</a:t>
+              <a:t>2019/9/18</a:t>
             </a:fld>
             <a:endParaRPr lang="zh-CN" altLang="en-US"/>
           </a:p>
@@ -1437,7 +1437,7 @@
           <a:p>
             <a:fld id="{BBF6169D-416D-4C06-B08B-5CE62A641987}" type="datetimeFigureOut">
               <a:rPr lang="zh-CN" altLang="en-US" smtClean="0"/>
-              <a:t>2019/9/17</a:t>
+              <a:t>2019/9/18</a:t>
             </a:fld>
             <a:endParaRPr lang="zh-CN" altLang="en-US"/>
           </a:p>
@@ -1849,7 +1849,7 @@
           <a:p>
             <a:fld id="{BBF6169D-416D-4C06-B08B-5CE62A641987}" type="datetimeFigureOut">
               <a:rPr lang="zh-CN" altLang="en-US" smtClean="0"/>
-              <a:t>2019/9/17</a:t>
+              <a:t>2019/9/18</a:t>
             </a:fld>
             <a:endParaRPr lang="zh-CN" altLang="en-US"/>
           </a:p>
@@ -1990,7 +1990,7 @@
           <a:p>
             <a:fld id="{BBF6169D-416D-4C06-B08B-5CE62A641987}" type="datetimeFigureOut">
               <a:rPr lang="zh-CN" altLang="en-US" smtClean="0"/>
-              <a:t>2019/9/17</a:t>
+              <a:t>2019/9/18</a:t>
             </a:fld>
             <a:endParaRPr lang="zh-CN" altLang="en-US"/>
           </a:p>
@@ -2103,7 +2103,7 @@
           <a:p>
             <a:fld id="{BBF6169D-416D-4C06-B08B-5CE62A641987}" type="datetimeFigureOut">
               <a:rPr lang="zh-CN" altLang="en-US" smtClean="0"/>
-              <a:t>2019/9/17</a:t>
+              <a:t>2019/9/18</a:t>
             </a:fld>
             <a:endParaRPr lang="zh-CN" altLang="en-US"/>
           </a:p>
@@ -2414,7 +2414,7 @@
           <a:p>
             <a:fld id="{BBF6169D-416D-4C06-B08B-5CE62A641987}" type="datetimeFigureOut">
               <a:rPr lang="zh-CN" altLang="en-US" smtClean="0"/>
-              <a:t>2019/9/17</a:t>
+              <a:t>2019/9/18</a:t>
             </a:fld>
             <a:endParaRPr lang="zh-CN" altLang="en-US"/>
           </a:p>
@@ -2702,7 +2702,7 @@
           <a:p>
             <a:fld id="{BBF6169D-416D-4C06-B08B-5CE62A641987}" type="datetimeFigureOut">
               <a:rPr lang="zh-CN" altLang="en-US" smtClean="0"/>
-              <a:t>2019/9/17</a:t>
+              <a:t>2019/9/18</a:t>
             </a:fld>
             <a:endParaRPr lang="zh-CN" altLang="en-US"/>
           </a:p>
@@ -2943,7 +2943,7 @@
           <a:p>
             <a:fld id="{BBF6169D-416D-4C06-B08B-5CE62A641987}" type="datetimeFigureOut">
               <a:rPr lang="zh-CN" altLang="en-US" smtClean="0"/>
-              <a:t>2019/9/17</a:t>
+              <a:t>2019/9/18</a:t>
             </a:fld>
             <a:endParaRPr lang="zh-CN" altLang="en-US"/>
           </a:p>
@@ -3527,7 +3527,76 @@
             </a:pPr>
             <a:r>
               <a:rPr lang="zh-CN" altLang="en-US" dirty="0"/>
-              <a:t>然后编写测试服务程序，通过小程序调用并显示结果。</a:t>
+              <a:t>这</a:t>
+            </a:r>
+            <a:r>
+              <a:rPr lang="zh-CN" altLang="en-US"/>
+              <a:t>主要包括三个</a:t>
+            </a:r>
+            <a:r>
+              <a:rPr lang="zh-CN" altLang="en-US" dirty="0"/>
+              <a:t>部分：</a:t>
+            </a:r>
+            <a:endParaRPr lang="en-US" altLang="zh-CN" dirty="0"/>
+          </a:p>
+          <a:p>
+            <a:pPr lvl="1">
+              <a:lnSpc>
+                <a:spcPts val="3800"/>
+              </a:lnSpc>
+              <a:spcBef>
+                <a:spcPts val="1200"/>
+              </a:spcBef>
+            </a:pPr>
+            <a:r>
+              <a:rPr lang="zh-CN" altLang="en-US" dirty="0"/>
+              <a:t>先设置安全域名。</a:t>
+            </a:r>
+            <a:endParaRPr lang="en-US" altLang="zh-CN" dirty="0"/>
+          </a:p>
+          <a:p>
+            <a:pPr lvl="1">
+              <a:lnSpc>
+                <a:spcPts val="3800"/>
+              </a:lnSpc>
+              <a:spcBef>
+                <a:spcPts val="1200"/>
+              </a:spcBef>
+            </a:pPr>
+            <a:r>
+              <a:rPr lang="zh-CN" altLang="en-US" dirty="0"/>
+              <a:t>然后编写</a:t>
+            </a:r>
+            <a:r>
+              <a:rPr lang="en-US" altLang="zh-CN" dirty="0"/>
+              <a:t>API</a:t>
+            </a:r>
+            <a:r>
+              <a:rPr lang="zh-CN" altLang="en-US" dirty="0"/>
+              <a:t>服务程序并在服务器运行。</a:t>
+            </a:r>
+            <a:endParaRPr lang="en-US" altLang="zh-CN" dirty="0"/>
+          </a:p>
+          <a:p>
+            <a:pPr lvl="1">
+              <a:lnSpc>
+                <a:spcPts val="3800"/>
+              </a:lnSpc>
+              <a:spcBef>
+                <a:spcPts val="1200"/>
+              </a:spcBef>
+            </a:pPr>
+            <a:r>
+              <a:rPr lang="zh-CN" altLang="en-US" dirty="0"/>
+              <a:t>然后在小程序开发者工具中通过</a:t>
+            </a:r>
+            <a:r>
+              <a:rPr lang="en-US" altLang="zh-CN" dirty="0" err="1"/>
+              <a:t>wx.request</a:t>
+            </a:r>
+            <a:r>
+              <a:rPr lang="zh-CN" altLang="en-US" dirty="0"/>
+              <a:t>请求。</a:t>
             </a:r>
             <a:endParaRPr lang="en-US" altLang="zh-CN" dirty="0"/>
           </a:p>
